--- a/semeter1/DSP/Final_HND.PPTX
+++ b/semeter1/DSP/Final_HND.PPTX
@@ -6,7 +6,7 @@
     <p:sldMasterId id="2147483679" r:id="rId2"/>
   </p:sldMasterIdLst>
   <p:notesMasterIdLst>
-    <p:notesMasterId r:id="rId30"/>
+    <p:notesMasterId r:id="rId31"/>
   </p:notesMasterIdLst>
   <p:sldIdLst>
     <p:sldId id="257" r:id="rId3"/>
@@ -33,9 +33,10 @@
     <p:sldId id="276" r:id="rId24"/>
     <p:sldId id="278" r:id="rId25"/>
     <p:sldId id="279" r:id="rId26"/>
-    <p:sldId id="277" r:id="rId27"/>
-    <p:sldId id="280" r:id="rId28"/>
-    <p:sldId id="281" r:id="rId29"/>
+    <p:sldId id="284" r:id="rId27"/>
+    <p:sldId id="277" r:id="rId28"/>
+    <p:sldId id="280" r:id="rId29"/>
+    <p:sldId id="281" r:id="rId30"/>
   </p:sldIdLst>
   <p:sldSz cx="12192000" cy="6858000"/>
   <p:notesSz cx="6858000" cy="9144000"/>
@@ -224,7 +225,7 @@
           <a:p>
             <a:fld id="{D6357AC9-B4BA-44F7-9558-9CD0769A9A0A}" type="datetimeFigureOut">
               <a:rPr lang="en-US" smtClean="0"/>
-              <a:t>4/20/2024</a:t>
+              <a:t>5/11/2024</a:t>
             </a:fld>
             <a:endParaRPr lang="en-US"/>
           </a:p>
@@ -2433,7 +2434,7 @@
     </p:spTree>
     <p:extLst>
       <p:ext uri="{BB962C8B-B14F-4D97-AF65-F5344CB8AC3E}">
-        <p14:creationId xmlns:p14="http://schemas.microsoft.com/office/powerpoint/2010/main" val="3278176657"/>
+        <p14:creationId xmlns:p14="http://schemas.microsoft.com/office/powerpoint/2010/main" val="3012854109"/>
       </p:ext>
     </p:extLst>
   </p:cSld>
@@ -2542,6 +2543,115 @@
     </p:spTree>
     <p:extLst>
       <p:ext uri="{BB962C8B-B14F-4D97-AF65-F5344CB8AC3E}">
+        <p14:creationId xmlns:p14="http://schemas.microsoft.com/office/powerpoint/2010/main" val="3278176657"/>
+      </p:ext>
+    </p:extLst>
+  </p:cSld>
+  <p:clrMapOvr>
+    <a:masterClrMapping/>
+  </p:clrMapOvr>
+</p:notes>
+</file>
+
+<file path=ppt/notesSlides/notesSlide27.xml><?xml version="1.0" encoding="utf-8"?>
+<p:notes xmlns:a="http://schemas.openxmlformats.org/drawingml/2006/main" xmlns:r="http://schemas.openxmlformats.org/officeDocument/2006/relationships" xmlns:p="http://schemas.openxmlformats.org/presentationml/2006/main" showMasterSp="0" showMasterPhAnim="0">
+  <p:cSld>
+    <p:spTree>
+      <p:nvGrpSpPr>
+        <p:cNvPr id="1" name="Shape 268"/>
+        <p:cNvGrpSpPr/>
+        <p:nvPr/>
+      </p:nvGrpSpPr>
+      <p:grpSpPr>
+        <a:xfrm>
+          <a:off x="0" y="0"/>
+          <a:ext cx="0" cy="0"/>
+          <a:chOff x="0" y="0"/>
+          <a:chExt cx="0" cy="0"/>
+        </a:xfrm>
+      </p:grpSpPr>
+      <p:sp>
+        <p:nvSpPr>
+          <p:cNvPr id="269" name="Google Shape;269;g1c842b0c27a_0_30:notes"/>
+          <p:cNvSpPr>
+            <a:spLocks noGrp="1" noRot="1" noChangeAspect="1"/>
+          </p:cNvSpPr>
+          <p:nvPr>
+            <p:ph type="sldImg" idx="2"/>
+          </p:nvPr>
+        </p:nvSpPr>
+        <p:spPr>
+          <a:xfrm>
+            <a:off x="381000" y="685800"/>
+            <a:ext cx="6096000" cy="3429000"/>
+          </a:xfrm>
+          <a:custGeom>
+            <a:avLst/>
+            <a:gdLst/>
+            <a:ahLst/>
+            <a:cxnLst/>
+            <a:rect l="l" t="t" r="r" b="b"/>
+            <a:pathLst>
+              <a:path w="120000" h="120000" extrusionOk="0">
+                <a:moveTo>
+                  <a:pt x="0" y="0"/>
+                </a:moveTo>
+                <a:lnTo>
+                  <a:pt x="120000" y="0"/>
+                </a:lnTo>
+                <a:lnTo>
+                  <a:pt x="120000" y="120000"/>
+                </a:lnTo>
+                <a:lnTo>
+                  <a:pt x="0" y="120000"/>
+                </a:lnTo>
+                <a:close/>
+              </a:path>
+            </a:pathLst>
+          </a:custGeom>
+        </p:spPr>
+      </p:sp>
+      <p:sp>
+        <p:nvSpPr>
+          <p:cNvPr id="270" name="Google Shape;270;g1c842b0c27a_0_30:notes"/>
+          <p:cNvSpPr txBox="1">
+            <a:spLocks noGrp="1"/>
+          </p:cNvSpPr>
+          <p:nvPr>
+            <p:ph type="body" idx="1"/>
+          </p:nvPr>
+        </p:nvSpPr>
+        <p:spPr>
+          <a:xfrm>
+            <a:off x="685800" y="4343400"/>
+            <a:ext cx="5486400" cy="4114800"/>
+          </a:xfrm>
+          <a:prstGeom prst="rect">
+            <a:avLst/>
+          </a:prstGeom>
+        </p:spPr>
+        <p:txBody>
+          <a:bodyPr spcFirstLastPara="1" wrap="square" lIns="91425" tIns="91425" rIns="91425" bIns="91425" anchor="t" anchorCtr="0">
+            <a:noAutofit/>
+          </a:bodyPr>
+          <a:lstStyle/>
+          <a:p>
+            <a:pPr marL="0" lvl="0" indent="0" algn="l" rtl="0">
+              <a:spcBef>
+                <a:spcPts val="0"/>
+              </a:spcBef>
+              <a:spcAft>
+                <a:spcPts val="0"/>
+              </a:spcAft>
+              <a:buNone/>
+            </a:pPr>
+            <a:endParaRPr/>
+          </a:p>
+        </p:txBody>
+      </p:sp>
+    </p:spTree>
+    <p:extLst>
+      <p:ext uri="{BB962C8B-B14F-4D97-AF65-F5344CB8AC3E}">
         <p14:creationId xmlns:p14="http://schemas.microsoft.com/office/powerpoint/2010/main" val="2724858160"/>
       </p:ext>
     </p:extLst>
@@ -2552,7 +2662,7 @@
 </p:notes>
 </file>
 
-<file path=ppt/notesSlides/notesSlide27.xml><?xml version="1.0" encoding="utf-8"?>
+<file path=ppt/notesSlides/notesSlide28.xml><?xml version="1.0" encoding="utf-8"?>
 <p:notes xmlns:a="http://schemas.openxmlformats.org/drawingml/2006/main" xmlns:r="http://schemas.openxmlformats.org/officeDocument/2006/relationships" xmlns:p="http://schemas.openxmlformats.org/presentationml/2006/main" showMasterSp="0" showMasterPhAnim="0">
   <p:cSld>
     <p:spTree>
@@ -43654,6 +43764,1410 @@
           <a:lstStyle/>
           <a:p>
             <a:r>
+              <a:rPr lang="en-US" sz="2800" b="1" dirty="0">
+                <a:latin typeface="Space Mono" panose="020B0604020202020204" charset="0"/>
+              </a:rPr>
+              <a:t>EVALUTION</a:t>
+            </a:r>
+            <a:endParaRPr sz="2800" dirty="0"/>
+          </a:p>
+        </p:txBody>
+      </p:sp>
+      <p:grpSp>
+        <p:nvGrpSpPr>
+          <p:cNvPr id="277" name="Google Shape;277;p24"/>
+          <p:cNvGrpSpPr/>
+          <p:nvPr/>
+        </p:nvGrpSpPr>
+        <p:grpSpPr>
+          <a:xfrm>
+            <a:off x="9964073" y="-382228"/>
+            <a:ext cx="1038177" cy="882871"/>
+            <a:chOff x="3089625" y="1360075"/>
+            <a:chExt cx="1869050" cy="1589450"/>
+          </a:xfrm>
+        </p:grpSpPr>
+        <p:sp>
+          <p:nvSpPr>
+            <p:cNvPr id="278" name="Google Shape;278;p24"/>
+            <p:cNvSpPr/>
+            <p:nvPr/>
+          </p:nvSpPr>
+          <p:spPr>
+            <a:xfrm>
+              <a:off x="3089625" y="1360075"/>
+              <a:ext cx="1406675" cy="1589450"/>
+            </a:xfrm>
+            <a:custGeom>
+              <a:avLst/>
+              <a:gdLst/>
+              <a:ahLst/>
+              <a:cxnLst/>
+              <a:rect l="l" t="t" r="r" b="b"/>
+              <a:pathLst>
+                <a:path w="56267" h="63578" extrusionOk="0">
+                  <a:moveTo>
+                    <a:pt x="29845" y="0"/>
+                  </a:moveTo>
+                  <a:lnTo>
+                    <a:pt x="1" y="49685"/>
+                  </a:lnTo>
+                  <a:lnTo>
+                    <a:pt x="26422" y="63577"/>
+                  </a:lnTo>
+                  <a:lnTo>
+                    <a:pt x="56267" y="13892"/>
+                  </a:lnTo>
+                  <a:lnTo>
+                    <a:pt x="29845" y="0"/>
+                  </a:lnTo>
+                  <a:close/>
+                </a:path>
+              </a:pathLst>
+            </a:custGeom>
+            <a:solidFill>
+              <a:schemeClr val="lt1"/>
+            </a:solidFill>
+            <a:ln w="15775" cap="flat" cmpd="sng">
+              <a:solidFill>
+                <a:schemeClr val="dk1"/>
+              </a:solidFill>
+              <a:prstDash val="solid"/>
+              <a:miter lim="16617"/>
+              <a:headEnd type="none" w="sm" len="sm"/>
+              <a:tailEnd type="none" w="sm" len="sm"/>
+            </a:ln>
+          </p:spPr>
+          <p:txBody>
+            <a:bodyPr spcFirstLastPara="1" wrap="square" lIns="36281" tIns="36281" rIns="36281" bIns="36281" anchor="ctr" anchorCtr="0">
+              <a:noAutofit/>
+            </a:bodyPr>
+            <a:lstStyle/>
+            <a:p>
+              <a:pPr defTabSz="362834">
+                <a:buClr>
+                  <a:srgbClr val="000000"/>
+                </a:buClr>
+              </a:pPr>
+              <a:endParaRPr sz="556" kern="0">
+                <a:solidFill>
+                  <a:srgbClr val="000000"/>
+                </a:solidFill>
+                <a:latin typeface="Arial"/>
+                <a:cs typeface="Arial"/>
+                <a:sym typeface="Arial"/>
+              </a:endParaRPr>
+            </a:p>
+          </p:txBody>
+        </p:sp>
+        <p:sp>
+          <p:nvSpPr>
+            <p:cNvPr id="279" name="Google Shape;279;p24"/>
+            <p:cNvSpPr/>
+            <p:nvPr/>
+          </p:nvSpPr>
+          <p:spPr>
+            <a:xfrm>
+              <a:off x="3835750" y="1360075"/>
+              <a:ext cx="1122925" cy="1509275"/>
+            </a:xfrm>
+            <a:custGeom>
+              <a:avLst/>
+              <a:gdLst/>
+              <a:ahLst/>
+              <a:cxnLst/>
+              <a:rect l="l" t="t" r="r" b="b"/>
+              <a:pathLst>
+                <a:path w="44917" h="60371" extrusionOk="0">
+                  <a:moveTo>
+                    <a:pt x="0" y="0"/>
+                  </a:moveTo>
+                  <a:lnTo>
+                    <a:pt x="18495" y="46478"/>
+                  </a:lnTo>
+                  <a:lnTo>
+                    <a:pt x="44917" y="60370"/>
+                  </a:lnTo>
+                  <a:lnTo>
+                    <a:pt x="26422" y="13892"/>
+                  </a:lnTo>
+                  <a:lnTo>
+                    <a:pt x="0" y="0"/>
+                  </a:lnTo>
+                  <a:close/>
+                </a:path>
+              </a:pathLst>
+            </a:custGeom>
+            <a:solidFill>
+              <a:schemeClr val="lt1"/>
+            </a:solidFill>
+            <a:ln w="15775" cap="flat" cmpd="sng">
+              <a:solidFill>
+                <a:schemeClr val="dk1"/>
+              </a:solidFill>
+              <a:prstDash val="solid"/>
+              <a:miter lim="16617"/>
+              <a:headEnd type="none" w="sm" len="sm"/>
+              <a:tailEnd type="none" w="sm" len="sm"/>
+            </a:ln>
+          </p:spPr>
+          <p:txBody>
+            <a:bodyPr spcFirstLastPara="1" wrap="square" lIns="36281" tIns="36281" rIns="36281" bIns="36281" anchor="ctr" anchorCtr="0">
+              <a:noAutofit/>
+            </a:bodyPr>
+            <a:lstStyle/>
+            <a:p>
+              <a:pPr defTabSz="362834">
+                <a:buClr>
+                  <a:srgbClr val="000000"/>
+                </a:buClr>
+              </a:pPr>
+              <a:endParaRPr sz="556" kern="0">
+                <a:solidFill>
+                  <a:srgbClr val="000000"/>
+                </a:solidFill>
+                <a:latin typeface="Arial"/>
+                <a:cs typeface="Arial"/>
+                <a:sym typeface="Arial"/>
+              </a:endParaRPr>
+            </a:p>
+          </p:txBody>
+        </p:sp>
+        <p:sp>
+          <p:nvSpPr>
+            <p:cNvPr id="280" name="Google Shape;280;p24"/>
+            <p:cNvSpPr/>
+            <p:nvPr/>
+          </p:nvSpPr>
+          <p:spPr>
+            <a:xfrm>
+              <a:off x="3089625" y="2522025"/>
+              <a:ext cx="1869050" cy="427500"/>
+            </a:xfrm>
+            <a:custGeom>
+              <a:avLst/>
+              <a:gdLst/>
+              <a:ahLst/>
+              <a:cxnLst/>
+              <a:rect l="l" t="t" r="r" b="b"/>
+              <a:pathLst>
+                <a:path w="74762" h="17100" extrusionOk="0">
+                  <a:moveTo>
+                    <a:pt x="48340" y="0"/>
+                  </a:moveTo>
+                  <a:lnTo>
+                    <a:pt x="1" y="3207"/>
+                  </a:lnTo>
+                  <a:lnTo>
+                    <a:pt x="26422" y="17099"/>
+                  </a:lnTo>
+                  <a:lnTo>
+                    <a:pt x="74762" y="13892"/>
+                  </a:lnTo>
+                  <a:lnTo>
+                    <a:pt x="48340" y="0"/>
+                  </a:lnTo>
+                  <a:close/>
+                </a:path>
+              </a:pathLst>
+            </a:custGeom>
+            <a:solidFill>
+              <a:schemeClr val="lt1"/>
+            </a:solidFill>
+            <a:ln w="15775" cap="flat" cmpd="sng">
+              <a:solidFill>
+                <a:schemeClr val="dk1"/>
+              </a:solidFill>
+              <a:prstDash val="solid"/>
+              <a:miter lim="16617"/>
+              <a:headEnd type="none" w="sm" len="sm"/>
+              <a:tailEnd type="none" w="sm" len="sm"/>
+            </a:ln>
+          </p:spPr>
+          <p:txBody>
+            <a:bodyPr spcFirstLastPara="1" wrap="square" lIns="36281" tIns="36281" rIns="36281" bIns="36281" anchor="ctr" anchorCtr="0">
+              <a:noAutofit/>
+            </a:bodyPr>
+            <a:lstStyle/>
+            <a:p>
+              <a:pPr defTabSz="362834">
+                <a:buClr>
+                  <a:srgbClr val="000000"/>
+                </a:buClr>
+              </a:pPr>
+              <a:endParaRPr sz="556" kern="0">
+                <a:solidFill>
+                  <a:srgbClr val="000000"/>
+                </a:solidFill>
+                <a:latin typeface="Arial"/>
+                <a:cs typeface="Arial"/>
+                <a:sym typeface="Arial"/>
+              </a:endParaRPr>
+            </a:p>
+          </p:txBody>
+        </p:sp>
+        <p:sp>
+          <p:nvSpPr>
+            <p:cNvPr id="281" name="Google Shape;281;p24"/>
+            <p:cNvSpPr/>
+            <p:nvPr/>
+          </p:nvSpPr>
+          <p:spPr>
+            <a:xfrm>
+              <a:off x="3089625" y="1360075"/>
+              <a:ext cx="1208525" cy="1242150"/>
+            </a:xfrm>
+            <a:custGeom>
+              <a:avLst/>
+              <a:gdLst/>
+              <a:ahLst/>
+              <a:cxnLst/>
+              <a:rect l="l" t="t" r="r" b="b"/>
+              <a:pathLst>
+                <a:path w="48341" h="49686" extrusionOk="0">
+                  <a:moveTo>
+                    <a:pt x="29845" y="0"/>
+                  </a:moveTo>
+                  <a:lnTo>
+                    <a:pt x="1" y="49685"/>
+                  </a:lnTo>
+                  <a:lnTo>
+                    <a:pt x="48340" y="46478"/>
+                  </a:lnTo>
+                  <a:lnTo>
+                    <a:pt x="29845" y="0"/>
+                  </a:lnTo>
+                  <a:close/>
+                </a:path>
+              </a:pathLst>
+            </a:custGeom>
+            <a:solidFill>
+              <a:schemeClr val="lt1"/>
+            </a:solidFill>
+            <a:ln w="15775" cap="flat" cmpd="sng">
+              <a:solidFill>
+                <a:schemeClr val="dk1"/>
+              </a:solidFill>
+              <a:prstDash val="solid"/>
+              <a:miter lim="16617"/>
+              <a:headEnd type="none" w="sm" len="sm"/>
+              <a:tailEnd type="none" w="sm" len="sm"/>
+            </a:ln>
+          </p:spPr>
+          <p:txBody>
+            <a:bodyPr spcFirstLastPara="1" wrap="square" lIns="36281" tIns="36281" rIns="36281" bIns="36281" anchor="ctr" anchorCtr="0">
+              <a:noAutofit/>
+            </a:bodyPr>
+            <a:lstStyle/>
+            <a:p>
+              <a:pPr defTabSz="362834">
+                <a:buClr>
+                  <a:srgbClr val="000000"/>
+                </a:buClr>
+              </a:pPr>
+              <a:endParaRPr sz="556" kern="0">
+                <a:solidFill>
+                  <a:srgbClr val="000000"/>
+                </a:solidFill>
+                <a:latin typeface="Arial"/>
+                <a:cs typeface="Arial"/>
+                <a:sym typeface="Arial"/>
+              </a:endParaRPr>
+            </a:p>
+          </p:txBody>
+        </p:sp>
+      </p:grpSp>
+      <p:cxnSp>
+        <p:nvCxnSpPr>
+          <p:cNvPr id="282" name="Google Shape;282;p24"/>
+          <p:cNvCxnSpPr/>
+          <p:nvPr/>
+        </p:nvCxnSpPr>
+        <p:spPr>
+          <a:xfrm>
+            <a:off x="1439844" y="6684199"/>
+            <a:ext cx="9312485" cy="0"/>
+          </a:xfrm>
+          <a:prstGeom prst="straightConnector1">
+            <a:avLst/>
+          </a:prstGeom>
+          <a:noFill/>
+          <a:ln w="19050" cap="flat" cmpd="sng">
+            <a:solidFill>
+              <a:schemeClr val="dk1"/>
+            </a:solidFill>
+            <a:prstDash val="solid"/>
+            <a:round/>
+            <a:headEnd type="none" w="med" len="med"/>
+            <a:tailEnd type="none" w="med" len="med"/>
+          </a:ln>
+        </p:spPr>
+      </p:cxnSp>
+      <p:cxnSp>
+        <p:nvCxnSpPr>
+          <p:cNvPr id="283" name="Google Shape;283;p24"/>
+          <p:cNvCxnSpPr/>
+          <p:nvPr/>
+        </p:nvCxnSpPr>
+        <p:spPr>
+          <a:xfrm>
+            <a:off x="1439844" y="794827"/>
+            <a:ext cx="9312485" cy="0"/>
+          </a:xfrm>
+          <a:prstGeom prst="straightConnector1">
+            <a:avLst/>
+          </a:prstGeom>
+          <a:noFill/>
+          <a:ln w="19050" cap="flat" cmpd="sng">
+            <a:solidFill>
+              <a:schemeClr val="dk1"/>
+            </a:solidFill>
+            <a:prstDash val="solid"/>
+            <a:round/>
+            <a:headEnd type="none" w="med" len="med"/>
+            <a:tailEnd type="none" w="med" len="med"/>
+          </a:ln>
+        </p:spPr>
+      </p:cxnSp>
+      <p:sp>
+        <p:nvSpPr>
+          <p:cNvPr id="3" name="Google Shape;272;p24">
+            <a:extLst>
+              <a:ext uri="{FF2B5EF4-FFF2-40B4-BE49-F238E27FC236}">
+                <a16:creationId xmlns:a16="http://schemas.microsoft.com/office/drawing/2014/main" id="{F3F954E3-2CCE-C199-2F62-4023A20F6B2D}"/>
+              </a:ext>
+            </a:extLst>
+          </p:cNvPr>
+          <p:cNvSpPr txBox="1">
+            <a:spLocks/>
+          </p:cNvSpPr>
+          <p:nvPr/>
+        </p:nvSpPr>
+        <p:spPr>
+          <a:xfrm>
+            <a:off x="1189871" y="794827"/>
+            <a:ext cx="7831581" cy="574709"/>
+          </a:xfrm>
+          <a:prstGeom prst="rect">
+            <a:avLst/>
+          </a:prstGeom>
+          <a:noFill/>
+          <a:ln>
+            <a:noFill/>
+          </a:ln>
+        </p:spPr>
+        <p:txBody>
+          <a:bodyPr spcFirstLastPara="1" wrap="square" lIns="101591" tIns="101591" rIns="101591" bIns="101591" anchor="t" anchorCtr="0">
+            <a:noAutofit/>
+          </a:bodyPr>
+          <a:lstStyle>
+            <a:defPPr marR="0" lvl="0" algn="l" rtl="0">
+              <a:lnSpc>
+                <a:spcPct val="100000"/>
+              </a:lnSpc>
+              <a:spcBef>
+                <a:spcPts val="0"/>
+              </a:spcBef>
+              <a:spcAft>
+                <a:spcPts val="0"/>
+              </a:spcAft>
+            </a:defPPr>
+            <a:lvl1pPr marR="0" lvl="0" algn="ctr" rtl="0">
+              <a:lnSpc>
+                <a:spcPct val="100000"/>
+              </a:lnSpc>
+              <a:spcBef>
+                <a:spcPts val="0"/>
+              </a:spcBef>
+              <a:spcAft>
+                <a:spcPts val="0"/>
+              </a:spcAft>
+              <a:buClr>
+                <a:schemeClr val="dk1"/>
+              </a:buClr>
+              <a:buSzPts val="7800"/>
+              <a:buFont typeface="Space Mono"/>
+              <a:buNone/>
+              <a:defRPr sz="7800" b="1" i="0" u="none" strike="noStrike" cap="none">
+                <a:solidFill>
+                  <a:schemeClr val="dk1"/>
+                </a:solidFill>
+                <a:latin typeface="Space Mono"/>
+                <a:ea typeface="Space Mono"/>
+                <a:cs typeface="Space Mono"/>
+                <a:sym typeface="Space Mono"/>
+              </a:defRPr>
+            </a:lvl1pPr>
+            <a:lvl2pPr marR="0" lvl="1" algn="ctr" rtl="0">
+              <a:lnSpc>
+                <a:spcPct val="100000"/>
+              </a:lnSpc>
+              <a:spcBef>
+                <a:spcPts val="0"/>
+              </a:spcBef>
+              <a:spcAft>
+                <a:spcPts val="0"/>
+              </a:spcAft>
+              <a:buClr>
+                <a:schemeClr val="dk1"/>
+              </a:buClr>
+              <a:buSzPts val="7800"/>
+              <a:buFont typeface="Space Mono"/>
+              <a:buNone/>
+              <a:defRPr sz="7800" b="1" i="0" u="none" strike="noStrike" cap="none">
+                <a:solidFill>
+                  <a:schemeClr val="dk1"/>
+                </a:solidFill>
+                <a:latin typeface="Space Mono"/>
+                <a:ea typeface="Space Mono"/>
+                <a:cs typeface="Space Mono"/>
+                <a:sym typeface="Space Mono"/>
+              </a:defRPr>
+            </a:lvl2pPr>
+            <a:lvl3pPr marR="0" lvl="2" algn="ctr" rtl="0">
+              <a:lnSpc>
+                <a:spcPct val="100000"/>
+              </a:lnSpc>
+              <a:spcBef>
+                <a:spcPts val="0"/>
+              </a:spcBef>
+              <a:spcAft>
+                <a:spcPts val="0"/>
+              </a:spcAft>
+              <a:buClr>
+                <a:schemeClr val="dk1"/>
+              </a:buClr>
+              <a:buSzPts val="7800"/>
+              <a:buFont typeface="Space Mono"/>
+              <a:buNone/>
+              <a:defRPr sz="7800" b="1" i="0" u="none" strike="noStrike" cap="none">
+                <a:solidFill>
+                  <a:schemeClr val="dk1"/>
+                </a:solidFill>
+                <a:latin typeface="Space Mono"/>
+                <a:ea typeface="Space Mono"/>
+                <a:cs typeface="Space Mono"/>
+                <a:sym typeface="Space Mono"/>
+              </a:defRPr>
+            </a:lvl3pPr>
+            <a:lvl4pPr marR="0" lvl="3" algn="ctr" rtl="0">
+              <a:lnSpc>
+                <a:spcPct val="100000"/>
+              </a:lnSpc>
+              <a:spcBef>
+                <a:spcPts val="0"/>
+              </a:spcBef>
+              <a:spcAft>
+                <a:spcPts val="0"/>
+              </a:spcAft>
+              <a:buClr>
+                <a:schemeClr val="dk1"/>
+              </a:buClr>
+              <a:buSzPts val="7800"/>
+              <a:buFont typeface="Space Mono"/>
+              <a:buNone/>
+              <a:defRPr sz="7800" b="1" i="0" u="none" strike="noStrike" cap="none">
+                <a:solidFill>
+                  <a:schemeClr val="dk1"/>
+                </a:solidFill>
+                <a:latin typeface="Space Mono"/>
+                <a:ea typeface="Space Mono"/>
+                <a:cs typeface="Space Mono"/>
+                <a:sym typeface="Space Mono"/>
+              </a:defRPr>
+            </a:lvl4pPr>
+            <a:lvl5pPr marR="0" lvl="4" algn="ctr" rtl="0">
+              <a:lnSpc>
+                <a:spcPct val="100000"/>
+              </a:lnSpc>
+              <a:spcBef>
+                <a:spcPts val="0"/>
+              </a:spcBef>
+              <a:spcAft>
+                <a:spcPts val="0"/>
+              </a:spcAft>
+              <a:buClr>
+                <a:schemeClr val="dk1"/>
+              </a:buClr>
+              <a:buSzPts val="7800"/>
+              <a:buFont typeface="Space Mono"/>
+              <a:buNone/>
+              <a:defRPr sz="7800" b="1" i="0" u="none" strike="noStrike" cap="none">
+                <a:solidFill>
+                  <a:schemeClr val="dk1"/>
+                </a:solidFill>
+                <a:latin typeface="Space Mono"/>
+                <a:ea typeface="Space Mono"/>
+                <a:cs typeface="Space Mono"/>
+                <a:sym typeface="Space Mono"/>
+              </a:defRPr>
+            </a:lvl5pPr>
+            <a:lvl6pPr marR="0" lvl="5" algn="ctr" rtl="0">
+              <a:lnSpc>
+                <a:spcPct val="100000"/>
+              </a:lnSpc>
+              <a:spcBef>
+                <a:spcPts val="0"/>
+              </a:spcBef>
+              <a:spcAft>
+                <a:spcPts val="0"/>
+              </a:spcAft>
+              <a:buClr>
+                <a:schemeClr val="dk1"/>
+              </a:buClr>
+              <a:buSzPts val="7800"/>
+              <a:buFont typeface="Space Mono"/>
+              <a:buNone/>
+              <a:defRPr sz="7800" b="1" i="0" u="none" strike="noStrike" cap="none">
+                <a:solidFill>
+                  <a:schemeClr val="dk1"/>
+                </a:solidFill>
+                <a:latin typeface="Space Mono"/>
+                <a:ea typeface="Space Mono"/>
+                <a:cs typeface="Space Mono"/>
+                <a:sym typeface="Space Mono"/>
+              </a:defRPr>
+            </a:lvl6pPr>
+            <a:lvl7pPr marR="0" lvl="6" algn="ctr" rtl="0">
+              <a:lnSpc>
+                <a:spcPct val="100000"/>
+              </a:lnSpc>
+              <a:spcBef>
+                <a:spcPts val="0"/>
+              </a:spcBef>
+              <a:spcAft>
+                <a:spcPts val="0"/>
+              </a:spcAft>
+              <a:buClr>
+                <a:schemeClr val="dk1"/>
+              </a:buClr>
+              <a:buSzPts val="7800"/>
+              <a:buFont typeface="Space Mono"/>
+              <a:buNone/>
+              <a:defRPr sz="7800" b="1" i="0" u="none" strike="noStrike" cap="none">
+                <a:solidFill>
+                  <a:schemeClr val="dk1"/>
+                </a:solidFill>
+                <a:latin typeface="Space Mono"/>
+                <a:ea typeface="Space Mono"/>
+                <a:cs typeface="Space Mono"/>
+                <a:sym typeface="Space Mono"/>
+              </a:defRPr>
+            </a:lvl7pPr>
+            <a:lvl8pPr marR="0" lvl="7" algn="ctr" rtl="0">
+              <a:lnSpc>
+                <a:spcPct val="100000"/>
+              </a:lnSpc>
+              <a:spcBef>
+                <a:spcPts val="0"/>
+              </a:spcBef>
+              <a:spcAft>
+                <a:spcPts val="0"/>
+              </a:spcAft>
+              <a:buClr>
+                <a:schemeClr val="dk1"/>
+              </a:buClr>
+              <a:buSzPts val="7800"/>
+              <a:buFont typeface="Space Mono"/>
+              <a:buNone/>
+              <a:defRPr sz="7800" b="1" i="0" u="none" strike="noStrike" cap="none">
+                <a:solidFill>
+                  <a:schemeClr val="dk1"/>
+                </a:solidFill>
+                <a:latin typeface="Space Mono"/>
+                <a:ea typeface="Space Mono"/>
+                <a:cs typeface="Space Mono"/>
+                <a:sym typeface="Space Mono"/>
+              </a:defRPr>
+            </a:lvl8pPr>
+            <a:lvl9pPr marR="0" lvl="8" algn="ctr" rtl="0">
+              <a:lnSpc>
+                <a:spcPct val="100000"/>
+              </a:lnSpc>
+              <a:spcBef>
+                <a:spcPts val="0"/>
+              </a:spcBef>
+              <a:spcAft>
+                <a:spcPts val="0"/>
+              </a:spcAft>
+              <a:buClr>
+                <a:schemeClr val="dk1"/>
+              </a:buClr>
+              <a:buSzPts val="7800"/>
+              <a:buFont typeface="Space Mono"/>
+              <a:buNone/>
+              <a:defRPr sz="7800" b="1" i="0" u="none" strike="noStrike" cap="none">
+                <a:solidFill>
+                  <a:schemeClr val="dk1"/>
+                </a:solidFill>
+                <a:latin typeface="Space Mono"/>
+                <a:ea typeface="Space Mono"/>
+                <a:cs typeface="Space Mono"/>
+                <a:sym typeface="Space Mono"/>
+              </a:defRPr>
+            </a:lvl9pPr>
+          </a:lstStyle>
+          <a:p>
+            <a:r>
+              <a:rPr lang="en-US" sz="2800" kern="0" dirty="0" err="1">
+                <a:latin typeface="Space Mono" panose="020B0604020202020204" charset="0"/>
+              </a:rPr>
+              <a:t>RadComNet</a:t>
+            </a:r>
+            <a:r>
+              <a:rPr lang="en-US" sz="2800" kern="0" dirty="0">
+                <a:latin typeface="Space Mono" panose="020B0604020202020204" charset="0"/>
+              </a:rPr>
+              <a:t> Performance in different Parameters</a:t>
+            </a:r>
+            <a:endParaRPr lang="en-US" sz="2800" kern="0" dirty="0"/>
+          </a:p>
+        </p:txBody>
+      </p:sp>
+      <p:graphicFrame>
+        <p:nvGraphicFramePr>
+          <p:cNvPr id="6" name="Table 5">
+            <a:extLst>
+              <a:ext uri="{FF2B5EF4-FFF2-40B4-BE49-F238E27FC236}">
+                <a16:creationId xmlns:a16="http://schemas.microsoft.com/office/drawing/2014/main" id="{1C8EC7F6-ADD5-E9E5-B25E-21DFA505DA53}"/>
+              </a:ext>
+            </a:extLst>
+          </p:cNvPr>
+          <p:cNvGraphicFramePr>
+            <a:graphicFrameLocks noGrp="1"/>
+          </p:cNvGraphicFramePr>
+          <p:nvPr>
+            <p:extLst>
+              <p:ext uri="{D42A27DB-BD31-4B8C-83A1-F6EECF244321}">
+                <p14:modId xmlns:p14="http://schemas.microsoft.com/office/powerpoint/2010/main" val="4042852363"/>
+              </p:ext>
+            </p:extLst>
+          </p:nvPr>
+        </p:nvGraphicFramePr>
+        <p:xfrm>
+          <a:off x="1835607" y="1502169"/>
+          <a:ext cx="8128000" cy="3337560"/>
+        </p:xfrm>
+        <a:graphic>
+          <a:graphicData uri="http://schemas.openxmlformats.org/drawingml/2006/table">
+            <a:tbl>
+              <a:tblPr firstRow="1" bandRow="1">
+                <a:tableStyleId>{073A0DAA-6AF3-43AB-8588-CEC1D06C72B9}</a:tableStyleId>
+              </a:tblPr>
+              <a:tblGrid>
+                <a:gridCol w="2032000">
+                  <a:extLst>
+                    <a:ext uri="{9D8B030D-6E8A-4147-A177-3AD203B41FA5}">
+                      <a16:colId xmlns:a16="http://schemas.microsoft.com/office/drawing/2014/main" val="976860075"/>
+                    </a:ext>
+                  </a:extLst>
+                </a:gridCol>
+                <a:gridCol w="2032000">
+                  <a:extLst>
+                    <a:ext uri="{9D8B030D-6E8A-4147-A177-3AD203B41FA5}">
+                      <a16:colId xmlns:a16="http://schemas.microsoft.com/office/drawing/2014/main" val="4148562426"/>
+                    </a:ext>
+                  </a:extLst>
+                </a:gridCol>
+                <a:gridCol w="2032000">
+                  <a:extLst>
+                    <a:ext uri="{9D8B030D-6E8A-4147-A177-3AD203B41FA5}">
+                      <a16:colId xmlns:a16="http://schemas.microsoft.com/office/drawing/2014/main" val="848985349"/>
+                    </a:ext>
+                  </a:extLst>
+                </a:gridCol>
+                <a:gridCol w="2032000">
+                  <a:extLst>
+                    <a:ext uri="{9D8B030D-6E8A-4147-A177-3AD203B41FA5}">
+                      <a16:colId xmlns:a16="http://schemas.microsoft.com/office/drawing/2014/main" val="2323920160"/>
+                    </a:ext>
+                  </a:extLst>
+                </a:gridCol>
+              </a:tblGrid>
+              <a:tr h="370840">
+                <a:tc>
+                  <a:txBody>
+                    <a:bodyPr/>
+                    <a:lstStyle/>
+                    <a:p>
+                      <a:r>
+                        <a:rPr lang="en-US" sz="1400" dirty="0"/>
+                        <a:t>Network</a:t>
+                      </a:r>
+                    </a:p>
+                  </a:txBody>
+                  <a:tcPr/>
+                </a:tc>
+                <a:tc>
+                  <a:txBody>
+                    <a:bodyPr/>
+                    <a:lstStyle/>
+                    <a:p>
+                      <a:r>
+                        <a:rPr lang="en-US" sz="1400" dirty="0"/>
+                        <a:t>No. Params</a:t>
+                      </a:r>
+                    </a:p>
+                  </a:txBody>
+                  <a:tcPr/>
+                </a:tc>
+                <a:tc>
+                  <a:txBody>
+                    <a:bodyPr/>
+                    <a:lstStyle/>
+                    <a:p>
+                      <a:r>
+                        <a:rPr lang="en-US" sz="1400" dirty="0"/>
+                        <a:t>Avg. Loss </a:t>
+                      </a:r>
+                    </a:p>
+                  </a:txBody>
+                  <a:tcPr/>
+                </a:tc>
+                <a:tc>
+                  <a:txBody>
+                    <a:bodyPr/>
+                    <a:lstStyle/>
+                    <a:p>
+                      <a:r>
+                        <a:rPr lang="en-US" sz="1400" dirty="0"/>
+                        <a:t>G. Accuracy (%)</a:t>
+                      </a:r>
+                    </a:p>
+                  </a:txBody>
+                  <a:tcPr/>
+                </a:tc>
+                <a:extLst>
+                  <a:ext uri="{0D108BD9-81ED-4DB2-BD59-A6C34878D82A}">
+                    <a16:rowId xmlns:a16="http://schemas.microsoft.com/office/drawing/2014/main" val="3325438991"/>
+                  </a:ext>
+                </a:extLst>
+              </a:tr>
+              <a:tr h="370840">
+                <a:tc>
+                  <a:txBody>
+                    <a:bodyPr/>
+                    <a:lstStyle/>
+                    <a:p>
+                      <a:r>
+                        <a:rPr lang="en-US" sz="1400" dirty="0"/>
+                        <a:t>Lin et al</a:t>
+                      </a:r>
+                    </a:p>
+                  </a:txBody>
+                  <a:tcPr/>
+                </a:tc>
+                <a:tc>
+                  <a:txBody>
+                    <a:bodyPr/>
+                    <a:lstStyle/>
+                    <a:p>
+                      <a:r>
+                        <a:rPr lang="en-US" sz="1400" dirty="0"/>
+                        <a:t>1.4M</a:t>
+                      </a:r>
+                    </a:p>
+                  </a:txBody>
+                  <a:tcPr/>
+                </a:tc>
+                <a:tc>
+                  <a:txBody>
+                    <a:bodyPr/>
+                    <a:lstStyle/>
+                    <a:p>
+                      <a:r>
+                        <a:rPr lang="en-US" sz="1400" dirty="0"/>
+                        <a:t>0.0390</a:t>
+                      </a:r>
+                    </a:p>
+                  </a:txBody>
+                  <a:tcPr/>
+                </a:tc>
+                <a:tc>
+                  <a:txBody>
+                    <a:bodyPr/>
+                    <a:lstStyle/>
+                    <a:p>
+                      <a:r>
+                        <a:rPr lang="en-US" sz="1400" dirty="0"/>
+                        <a:t>87.66</a:t>
+                      </a:r>
+                    </a:p>
+                  </a:txBody>
+                  <a:tcPr/>
+                </a:tc>
+                <a:extLst>
+                  <a:ext uri="{0D108BD9-81ED-4DB2-BD59-A6C34878D82A}">
+                    <a16:rowId xmlns:a16="http://schemas.microsoft.com/office/drawing/2014/main" val="2096953139"/>
+                  </a:ext>
+                </a:extLst>
+              </a:tr>
+              <a:tr h="370840">
+                <a:tc>
+                  <a:txBody>
+                    <a:bodyPr/>
+                    <a:lstStyle/>
+                    <a:p>
+                      <a:r>
+                        <a:rPr lang="en-US" sz="1400" dirty="0"/>
+                        <a:t>Shen et al</a:t>
+                      </a:r>
+                    </a:p>
+                  </a:txBody>
+                  <a:tcPr/>
+                </a:tc>
+                <a:tc>
+                  <a:txBody>
+                    <a:bodyPr/>
+                    <a:lstStyle/>
+                    <a:p>
+                      <a:r>
+                        <a:rPr lang="en-US" sz="1400" dirty="0"/>
+                        <a:t>6.1M</a:t>
+                      </a:r>
+                    </a:p>
+                  </a:txBody>
+                  <a:tcPr/>
+                </a:tc>
+                <a:tc>
+                  <a:txBody>
+                    <a:bodyPr/>
+                    <a:lstStyle/>
+                    <a:p>
+                      <a:r>
+                        <a:rPr lang="en-US" sz="1400" dirty="0"/>
+                        <a:t>0.0384</a:t>
+                      </a:r>
+                    </a:p>
+                  </a:txBody>
+                  <a:tcPr/>
+                </a:tc>
+                <a:tc>
+                  <a:txBody>
+                    <a:bodyPr/>
+                    <a:lstStyle/>
+                    <a:p>
+                      <a:r>
+                        <a:rPr lang="en-US" sz="1400" dirty="0"/>
+                        <a:t>87.62</a:t>
+                      </a:r>
+                    </a:p>
+                  </a:txBody>
+                  <a:tcPr/>
+                </a:tc>
+                <a:extLst>
+                  <a:ext uri="{0D108BD9-81ED-4DB2-BD59-A6C34878D82A}">
+                    <a16:rowId xmlns:a16="http://schemas.microsoft.com/office/drawing/2014/main" val="1677575935"/>
+                  </a:ext>
+                </a:extLst>
+              </a:tr>
+              <a:tr h="370840">
+                <a:tc>
+                  <a:txBody>
+                    <a:bodyPr/>
+                    <a:lstStyle/>
+                    <a:p>
+                      <a:r>
+                        <a:rPr lang="en-US" sz="1400" dirty="0"/>
+                        <a:t>Huynh-The et al</a:t>
+                      </a:r>
+                    </a:p>
+                  </a:txBody>
+                  <a:tcPr/>
+                </a:tc>
+                <a:tc>
+                  <a:txBody>
+                    <a:bodyPr/>
+                    <a:lstStyle/>
+                    <a:p>
+                      <a:r>
+                        <a:rPr lang="en-US" sz="1400" dirty="0"/>
+                        <a:t>315K</a:t>
+                      </a:r>
+                    </a:p>
+                  </a:txBody>
+                  <a:tcPr/>
+                </a:tc>
+                <a:tc>
+                  <a:txBody>
+                    <a:bodyPr/>
+                    <a:lstStyle/>
+                    <a:p>
+                      <a:r>
+                        <a:rPr lang="en-US" sz="1400" dirty="0"/>
+                        <a:t>0.0586</a:t>
+                      </a:r>
+                    </a:p>
+                  </a:txBody>
+                  <a:tcPr/>
+                </a:tc>
+                <a:tc>
+                  <a:txBody>
+                    <a:bodyPr/>
+                    <a:lstStyle/>
+                    <a:p>
+                      <a:r>
+                        <a:rPr lang="en-US" sz="1400" dirty="0"/>
+                        <a:t>89.91</a:t>
+                      </a:r>
+                    </a:p>
+                  </a:txBody>
+                  <a:tcPr/>
+                </a:tc>
+                <a:extLst>
+                  <a:ext uri="{0D108BD9-81ED-4DB2-BD59-A6C34878D82A}">
+                    <a16:rowId xmlns:a16="http://schemas.microsoft.com/office/drawing/2014/main" val="1475573123"/>
+                  </a:ext>
+                </a:extLst>
+              </a:tr>
+              <a:tr h="370840">
+                <a:tc>
+                  <a:txBody>
+                    <a:bodyPr/>
+                    <a:lstStyle/>
+                    <a:p>
+                      <a:r>
+                        <a:rPr lang="en-US" sz="1400" dirty="0"/>
+                        <a:t>MobileNetv2</a:t>
+                      </a:r>
+                    </a:p>
+                  </a:txBody>
+                  <a:tcPr/>
+                </a:tc>
+                <a:tc>
+                  <a:txBody>
+                    <a:bodyPr/>
+                    <a:lstStyle/>
+                    <a:p>
+                      <a:r>
+                        <a:rPr lang="en-US" sz="1400" dirty="0"/>
+                        <a:t>2.2M</a:t>
+                      </a:r>
+                    </a:p>
+                  </a:txBody>
+                  <a:tcPr/>
+                </a:tc>
+                <a:tc>
+                  <a:txBody>
+                    <a:bodyPr/>
+                    <a:lstStyle/>
+                    <a:p>
+                      <a:r>
+                        <a:rPr lang="en-US" sz="1400" dirty="0"/>
+                        <a:t>0.00621</a:t>
+                      </a:r>
+                    </a:p>
+                  </a:txBody>
+                  <a:tcPr/>
+                </a:tc>
+                <a:tc>
+                  <a:txBody>
+                    <a:bodyPr/>
+                    <a:lstStyle/>
+                    <a:p>
+                      <a:r>
+                        <a:rPr lang="en-US" sz="1400" dirty="0"/>
+                        <a:t>87.92</a:t>
+                      </a:r>
+                    </a:p>
+                  </a:txBody>
+                  <a:tcPr/>
+                </a:tc>
+                <a:extLst>
+                  <a:ext uri="{0D108BD9-81ED-4DB2-BD59-A6C34878D82A}">
+                    <a16:rowId xmlns:a16="http://schemas.microsoft.com/office/drawing/2014/main" val="3735880980"/>
+                  </a:ext>
+                </a:extLst>
+              </a:tr>
+              <a:tr h="370840">
+                <a:tc>
+                  <a:txBody>
+                    <a:bodyPr/>
+                    <a:lstStyle/>
+                    <a:p>
+                      <a:r>
+                        <a:rPr lang="en-US" sz="1400" dirty="0"/>
+                        <a:t>ResNet50</a:t>
+                      </a:r>
+                    </a:p>
+                  </a:txBody>
+                  <a:tcPr/>
+                </a:tc>
+                <a:tc>
+                  <a:txBody>
+                    <a:bodyPr/>
+                    <a:lstStyle/>
+                    <a:p>
+                      <a:r>
+                        <a:rPr lang="en-US" sz="1400" dirty="0"/>
+                        <a:t>23.5M</a:t>
+                      </a:r>
+                    </a:p>
+                  </a:txBody>
+                  <a:tcPr/>
+                </a:tc>
+                <a:tc>
+                  <a:txBody>
+                    <a:bodyPr/>
+                    <a:lstStyle/>
+                    <a:p>
+                      <a:r>
+                        <a:rPr lang="en-US" sz="1400" dirty="0"/>
+                        <a:t>0.0683</a:t>
+                      </a:r>
+                    </a:p>
+                  </a:txBody>
+                  <a:tcPr/>
+                </a:tc>
+                <a:tc>
+                  <a:txBody>
+                    <a:bodyPr/>
+                    <a:lstStyle/>
+                    <a:p>
+                      <a:r>
+                        <a:rPr lang="en-US" sz="1400" dirty="0"/>
+                        <a:t>87.34</a:t>
+                      </a:r>
+                    </a:p>
+                  </a:txBody>
+                  <a:tcPr/>
+                </a:tc>
+                <a:extLst>
+                  <a:ext uri="{0D108BD9-81ED-4DB2-BD59-A6C34878D82A}">
+                    <a16:rowId xmlns:a16="http://schemas.microsoft.com/office/drawing/2014/main" val="3972918897"/>
+                  </a:ext>
+                </a:extLst>
+              </a:tr>
+              <a:tr h="370840">
+                <a:tc>
+                  <a:txBody>
+                    <a:bodyPr/>
+                    <a:lstStyle/>
+                    <a:p>
+                      <a:r>
+                        <a:rPr lang="en-US" sz="1400" dirty="0"/>
+                        <a:t>Inception-V3</a:t>
+                      </a:r>
+                    </a:p>
+                  </a:txBody>
+                  <a:tcPr/>
+                </a:tc>
+                <a:tc>
+                  <a:txBody>
+                    <a:bodyPr/>
+                    <a:lstStyle/>
+                    <a:p>
+                      <a:r>
+                        <a:rPr lang="en-US" sz="1400" dirty="0"/>
+                        <a:t>21.8M</a:t>
+                      </a:r>
+                    </a:p>
+                  </a:txBody>
+                  <a:tcPr/>
+                </a:tc>
+                <a:tc>
+                  <a:txBody>
+                    <a:bodyPr/>
+                    <a:lstStyle/>
+                    <a:p>
+                      <a:r>
+                        <a:rPr lang="en-US" sz="1400" dirty="0"/>
+                        <a:t>0.1059</a:t>
+                      </a:r>
+                    </a:p>
+                  </a:txBody>
+                  <a:tcPr/>
+                </a:tc>
+                <a:tc>
+                  <a:txBody>
+                    <a:bodyPr/>
+                    <a:lstStyle/>
+                    <a:p>
+                      <a:r>
+                        <a:rPr lang="en-US" sz="1400" dirty="0"/>
+                        <a:t>89.94</a:t>
+                      </a:r>
+                    </a:p>
+                  </a:txBody>
+                  <a:tcPr/>
+                </a:tc>
+                <a:extLst>
+                  <a:ext uri="{0D108BD9-81ED-4DB2-BD59-A6C34878D82A}">
+                    <a16:rowId xmlns:a16="http://schemas.microsoft.com/office/drawing/2014/main" val="904824979"/>
+                  </a:ext>
+                </a:extLst>
+              </a:tr>
+              <a:tr h="370840">
+                <a:tc>
+                  <a:txBody>
+                    <a:bodyPr/>
+                    <a:lstStyle/>
+                    <a:p>
+                      <a:r>
+                        <a:rPr lang="en-US" sz="1400" dirty="0"/>
+                        <a:t>EfficientNetb0</a:t>
+                      </a:r>
+                    </a:p>
+                  </a:txBody>
+                  <a:tcPr/>
+                </a:tc>
+                <a:tc>
+                  <a:txBody>
+                    <a:bodyPr/>
+                    <a:lstStyle/>
+                    <a:p>
+                      <a:r>
+                        <a:rPr lang="en-US" sz="1400" dirty="0"/>
+                        <a:t>4.0M</a:t>
+                      </a:r>
+                    </a:p>
+                  </a:txBody>
+                  <a:tcPr/>
+                </a:tc>
+                <a:tc>
+                  <a:txBody>
+                    <a:bodyPr/>
+                    <a:lstStyle/>
+                    <a:p>
+                      <a:r>
+                        <a:rPr lang="en-US" sz="1400" dirty="0"/>
+                        <a:t>0.0823</a:t>
+                      </a:r>
+                    </a:p>
+                  </a:txBody>
+                  <a:tcPr/>
+                </a:tc>
+                <a:tc>
+                  <a:txBody>
+                    <a:bodyPr/>
+                    <a:lstStyle/>
+                    <a:p>
+                      <a:r>
+                        <a:rPr lang="en-US" sz="1400" dirty="0"/>
+                        <a:t>89.47</a:t>
+                      </a:r>
+                    </a:p>
+                  </a:txBody>
+                  <a:tcPr/>
+                </a:tc>
+                <a:extLst>
+                  <a:ext uri="{0D108BD9-81ED-4DB2-BD59-A6C34878D82A}">
+                    <a16:rowId xmlns:a16="http://schemas.microsoft.com/office/drawing/2014/main" val="3024184515"/>
+                  </a:ext>
+                </a:extLst>
+              </a:tr>
+              <a:tr h="370840">
+                <a:tc>
+                  <a:txBody>
+                    <a:bodyPr/>
+                    <a:lstStyle/>
+                    <a:p>
+                      <a:r>
+                        <a:rPr lang="en-US" sz="1400" b="1" dirty="0" err="1"/>
+                        <a:t>RadComNet</a:t>
+                      </a:r>
+                      <a:endParaRPr lang="en-US" sz="1400" b="1" dirty="0"/>
+                    </a:p>
+                  </a:txBody>
+                  <a:tcPr/>
+                </a:tc>
+                <a:tc>
+                  <a:txBody>
+                    <a:bodyPr/>
+                    <a:lstStyle/>
+                    <a:p>
+                      <a:r>
+                        <a:rPr lang="en-US" sz="1400" b="1" dirty="0"/>
+                        <a:t>178K</a:t>
+                      </a:r>
+                    </a:p>
+                  </a:txBody>
+                  <a:tcPr/>
+                </a:tc>
+                <a:tc>
+                  <a:txBody>
+                    <a:bodyPr/>
+                    <a:lstStyle/>
+                    <a:p>
+                      <a:r>
+                        <a:rPr lang="en-US" sz="1400" b="1" dirty="0"/>
+                        <a:t>0.0679</a:t>
+                      </a:r>
+                    </a:p>
+                  </a:txBody>
+                  <a:tcPr/>
+                </a:tc>
+                <a:tc>
+                  <a:txBody>
+                    <a:bodyPr/>
+                    <a:lstStyle/>
+                    <a:p>
+                      <a:r>
+                        <a:rPr lang="en-US" sz="1400" b="1" dirty="0"/>
+                        <a:t>89.87</a:t>
+                      </a:r>
+                    </a:p>
+                  </a:txBody>
+                  <a:tcPr/>
+                </a:tc>
+                <a:extLst>
+                  <a:ext uri="{0D108BD9-81ED-4DB2-BD59-A6C34878D82A}">
+                    <a16:rowId xmlns:a16="http://schemas.microsoft.com/office/drawing/2014/main" val="606901062"/>
+                  </a:ext>
+                </a:extLst>
+              </a:tr>
+            </a:tbl>
+          </a:graphicData>
+        </a:graphic>
+      </p:graphicFrame>
+      <p:sp>
+        <p:nvSpPr>
+          <p:cNvPr id="8" name="TextBox 7">
+            <a:extLst>
+              <a:ext uri="{FF2B5EF4-FFF2-40B4-BE49-F238E27FC236}">
+                <a16:creationId xmlns:a16="http://schemas.microsoft.com/office/drawing/2014/main" id="{F24D6E20-40BE-819A-89AB-DE68FA89A055}"/>
+              </a:ext>
+            </a:extLst>
+          </p:cNvPr>
+          <p:cNvSpPr txBox="1"/>
+          <p:nvPr/>
+        </p:nvSpPr>
+        <p:spPr>
+          <a:xfrm>
+            <a:off x="2733368" y="5153460"/>
+            <a:ext cx="7118555" cy="707886"/>
+          </a:xfrm>
+          <a:prstGeom prst="rect">
+            <a:avLst/>
+          </a:prstGeom>
+          <a:noFill/>
+        </p:spPr>
+        <p:txBody>
+          <a:bodyPr wrap="square">
+            <a:spAutoFit/>
+          </a:bodyPr>
+          <a:lstStyle/>
+          <a:p>
+            <a:r>
+              <a:rPr lang="en-US" sz="2000" b="1" dirty="0">
+                <a:solidFill>
+                  <a:srgbClr val="FF0000"/>
+                </a:solidFill>
+                <a:latin typeface="NimbusRomNo9L-Regu"/>
+              </a:rPr>
+              <a:t>Conclusion: </a:t>
+            </a:r>
+            <a:r>
+              <a:rPr lang="en-US" sz="2000" b="1" dirty="0" err="1">
+                <a:solidFill>
+                  <a:srgbClr val="FF0000"/>
+                </a:solidFill>
+                <a:latin typeface="NimbusRomNo9L-Regu"/>
+              </a:rPr>
+              <a:t>RaComNet</a:t>
+            </a:r>
+            <a:r>
+              <a:rPr lang="en-US" sz="2000" b="1" dirty="0">
+                <a:solidFill>
+                  <a:srgbClr val="FF0000"/>
+                </a:solidFill>
+                <a:latin typeface="NimbusRomNo9L-Regu"/>
+              </a:rPr>
+              <a:t> offers the lowest parameter while it maintains a </a:t>
+            </a:r>
+            <a:r>
+              <a:rPr lang="en-US" sz="2000" b="1" dirty="0" err="1">
+                <a:solidFill>
+                  <a:srgbClr val="FF0000"/>
+                </a:solidFill>
+                <a:latin typeface="NimbusRomNo9L-Regu"/>
+              </a:rPr>
+              <a:t>efficitive</a:t>
+            </a:r>
+            <a:r>
+              <a:rPr lang="en-US" sz="2000" b="1" dirty="0">
+                <a:solidFill>
+                  <a:srgbClr val="FF0000"/>
+                </a:solidFill>
+                <a:latin typeface="NimbusRomNo9L-Regu"/>
+              </a:rPr>
+              <a:t> accuracy in SNR range [-5, 30] </a:t>
+            </a:r>
+            <a:r>
+              <a:rPr lang="en-US" sz="2000" b="1" dirty="0" err="1">
+                <a:solidFill>
+                  <a:srgbClr val="FF0000"/>
+                </a:solidFill>
+                <a:latin typeface="NimbusRomNo9L-Regu"/>
+              </a:rPr>
+              <a:t>dB.</a:t>
+            </a:r>
+            <a:endParaRPr lang="en-US" sz="2000" b="1" i="0" dirty="0">
+              <a:solidFill>
+                <a:srgbClr val="FF0000"/>
+              </a:solidFill>
+              <a:effectLst/>
+              <a:latin typeface="NimbusRomNo9L-Regu"/>
+            </a:endParaRPr>
+          </a:p>
+        </p:txBody>
+      </p:sp>
+    </p:spTree>
+    <p:extLst>
+      <p:ext uri="{BB962C8B-B14F-4D97-AF65-F5344CB8AC3E}">
+        <p14:creationId xmlns:p14="http://schemas.microsoft.com/office/powerpoint/2010/main" val="2326102456"/>
+      </p:ext>
+    </p:extLst>
+  </p:cSld>
+  <p:clrMapOvr>
+    <a:masterClrMapping/>
+  </p:clrMapOvr>
+</p:sld>
+</file>
+
+<file path=ppt/slides/slide26.xml><?xml version="1.0" encoding="utf-8"?>
+<p:sld xmlns:a="http://schemas.openxmlformats.org/drawingml/2006/main" xmlns:r="http://schemas.openxmlformats.org/officeDocument/2006/relationships" xmlns:p="http://schemas.openxmlformats.org/presentationml/2006/main">
+  <p:cSld>
+    <p:spTree>
+      <p:nvGrpSpPr>
+        <p:cNvPr id="1" name="Shape 271"/>
+        <p:cNvGrpSpPr/>
+        <p:nvPr/>
+      </p:nvGrpSpPr>
+      <p:grpSpPr>
+        <a:xfrm>
+          <a:off x="0" y="0"/>
+          <a:ext cx="0" cy="0"/>
+          <a:chOff x="0" y="0"/>
+          <a:chExt cx="0" cy="0"/>
+        </a:xfrm>
+      </p:grpSpPr>
+      <p:sp>
+        <p:nvSpPr>
+          <p:cNvPr id="272" name="Google Shape;272;p24"/>
+          <p:cNvSpPr txBox="1">
+            <a:spLocks noGrp="1"/>
+          </p:cNvSpPr>
+          <p:nvPr>
+            <p:ph type="title"/>
+          </p:nvPr>
+        </p:nvSpPr>
+        <p:spPr>
+          <a:xfrm>
+            <a:off x="1835607" y="170550"/>
+            <a:ext cx="8520908" cy="763599"/>
+          </a:xfrm>
+          <a:prstGeom prst="rect">
+            <a:avLst/>
+          </a:prstGeom>
+        </p:spPr>
+        <p:txBody>
+          <a:bodyPr spcFirstLastPara="1" wrap="square" lIns="101591" tIns="101591" rIns="101591" bIns="101591" anchor="t" anchorCtr="0">
+            <a:noAutofit/>
+          </a:bodyPr>
+          <a:lstStyle/>
+          <a:p>
+            <a:r>
               <a:rPr lang="en-US" sz="2800" dirty="0">
                 <a:latin typeface="Space Mono" panose="020B0604020202020204" charset="0"/>
               </a:rPr>
@@ -44258,7 +45772,7 @@
 </p:sld>
 </file>
 
-<file path=ppt/slides/slide26.xml><?xml version="1.0" encoding="utf-8"?>
+<file path=ppt/slides/slide27.xml><?xml version="1.0" encoding="utf-8"?>
 <p:sld xmlns:a="http://schemas.openxmlformats.org/drawingml/2006/main" xmlns:r="http://schemas.openxmlformats.org/officeDocument/2006/relationships" xmlns:p="http://schemas.openxmlformats.org/presentationml/2006/main">
   <p:cSld>
     <p:spTree>
@@ -45378,7 +46892,7 @@
 </p:sld>
 </file>
 
-<file path=ppt/slides/slide27.xml><?xml version="1.0" encoding="utf-8"?>
+<file path=ppt/slides/slide28.xml><?xml version="1.0" encoding="utf-8"?>
 <p:sld xmlns:a="http://schemas.openxmlformats.org/drawingml/2006/main" xmlns:r="http://schemas.openxmlformats.org/officeDocument/2006/relationships" xmlns:p="http://schemas.openxmlformats.org/presentationml/2006/main">
   <p:cSld>
     <p:spTree>

--- a/semeter1/DSP/Final_HND.PPTX
+++ b/semeter1/DSP/Final_HND.PPTX
@@ -27923,7 +27923,7 @@
                   <a:srgbClr val="FF0000"/>
                 </a:solidFill>
               </a:rPr>
-              <a:t>-g(t) : filter in time domain</a:t>
+              <a:t>g(t) : filter in time domain</a:t>
             </a:r>
           </a:p>
           <a:p>
@@ -27934,7 +27934,7 @@
                   <a:srgbClr val="FF0000"/>
                 </a:solidFill>
               </a:rPr>
-              <a:t>-H(w) : filter in frequency domain</a:t>
+              <a:t>H(w) : filter in frequency domain</a:t>
             </a:r>
           </a:p>
         </p:txBody>
@@ -28867,7 +28867,7 @@
                   <a:srgbClr val="FF0000"/>
                 </a:solidFill>
               </a:rPr>
-              <a:t>-B : length of N + 1</a:t>
+              <a:t>B : length of N + 1</a:t>
             </a:r>
           </a:p>
           <a:p>
@@ -28878,7 +28878,7 @@
                   <a:srgbClr val="FF0000"/>
                 </a:solidFill>
               </a:rPr>
-              <a:t>-y: shape factor</a:t>
+              <a:t>y: shape factor</a:t>
             </a:r>
           </a:p>
         </p:txBody>
@@ -45712,53 +45712,6 @@
           </a:p>
         </p:txBody>
       </p:sp>
-      <p:pic>
-        <p:nvPicPr>
-          <p:cNvPr id="4098" name="Picture 2" descr="22 Icon ý tưởng | biểu tượng ứng dụng, ứng dụng, ảnh tường cho điện thoại">
-            <a:extLst>
-              <a:ext uri="{FF2B5EF4-FFF2-40B4-BE49-F238E27FC236}">
-                <a16:creationId xmlns:a16="http://schemas.microsoft.com/office/drawing/2014/main" id="{5311BF01-1461-DF66-8BBB-595CC980785E}"/>
-              </a:ext>
-            </a:extLst>
-          </p:cNvPr>
-          <p:cNvPicPr>
-            <a:picLocks noChangeAspect="1" noChangeArrowheads="1"/>
-          </p:cNvPicPr>
-          <p:nvPr/>
-        </p:nvPicPr>
-        <p:blipFill>
-          <a:blip r:embed="rId3">
-            <a:extLst>
-              <a:ext uri="{28A0092B-C50C-407E-A947-70E740481C1C}">
-                <a14:useLocalDpi xmlns:a14="http://schemas.microsoft.com/office/drawing/2010/main" val="0"/>
-              </a:ext>
-            </a:extLst>
-          </a:blip>
-          <a:srcRect/>
-          <a:stretch>
-            <a:fillRect/>
-          </a:stretch>
-        </p:blipFill>
-        <p:spPr bwMode="auto">
-          <a:xfrm>
-            <a:off x="5476973" y="4799027"/>
-            <a:ext cx="1752404" cy="1752404"/>
-          </a:xfrm>
-          <a:prstGeom prst="rect">
-            <a:avLst/>
-          </a:prstGeom>
-          <a:noFill/>
-          <a:extLst>
-            <a:ext uri="{909E8E84-426E-40DD-AFC4-6F175D3DCCD1}">
-              <a14:hiddenFill xmlns:a14="http://schemas.microsoft.com/office/drawing/2010/main">
-                <a:solidFill>
-                  <a:srgbClr val="FFFFFF"/>
-                </a:solidFill>
-              </a14:hiddenFill>
-            </a:ext>
-          </a:extLst>
-        </p:spPr>
-      </p:pic>
     </p:spTree>
     <p:extLst>
       <p:ext uri="{BB962C8B-B14F-4D97-AF65-F5344CB8AC3E}">
